--- a/doc/Presentation.pptx
+++ b/doc/Presentation.pptx
@@ -269,7 +269,7 @@
               <a:pPr>
                 <a:defRPr/>
               </a:pPr>
-              <a:t>27-11-2012</a:t>
+              <a:t>28-11-2012</a:t>
             </a:fld>
             <a:endParaRPr lang="nl-NL"/>
           </a:p>
@@ -460,7 +460,7 @@
               <a:pPr>
                 <a:defRPr/>
               </a:pPr>
-              <a:t>‹#›</a:t>
+              <a:t>‹nr.›</a:t>
             </a:fld>
             <a:endParaRPr lang="nl-NL"/>
           </a:p>
@@ -469,7 +469,7 @@
     </p:spTree>
     <p:extLst>
       <p:ext uri="{BB962C8B-B14F-4D97-AF65-F5344CB8AC3E}">
-        <p14:creationId xmlns:p14="http://schemas.microsoft.com/office/powerpoint/2010/main" val="942217321"/>
+        <p14:creationId xmlns:p14="http://schemas.microsoft.com/office/powerpoint/2010/main" xmlns="" val="942217321"/>
       </p:ext>
     </p:extLst>
   </p:cSld>
@@ -1025,9 +1025,98 @@
               </a:spcBef>
             </a:pPr>
             <a:r>
-              <a:rPr lang="nl-NL" smtClean="0"/>
-              <a:t>Ion torrent is not good</a:t>
-            </a:r>
+              <a:rPr lang="nl-NL" dirty="0" smtClean="0"/>
+              <a:t>Ion </a:t>
+            </a:r>
+            <a:r>
+              <a:rPr lang="nl-NL" dirty="0" err="1" smtClean="0"/>
+              <a:t>torrent</a:t>
+            </a:r>
+            <a:r>
+              <a:rPr lang="nl-NL" dirty="0" smtClean="0"/>
+              <a:t> is </a:t>
+            </a:r>
+            <a:r>
+              <a:rPr lang="nl-NL" dirty="0" err="1" smtClean="0"/>
+              <a:t>not</a:t>
+            </a:r>
+            <a:r>
+              <a:rPr lang="nl-NL" dirty="0" smtClean="0"/>
+              <a:t> </a:t>
+            </a:r>
+            <a:r>
+              <a:rPr lang="nl-NL" dirty="0" err="1" smtClean="0"/>
+              <a:t>good</a:t>
+            </a:r>
+            <a:r>
+              <a:rPr lang="nl-NL" dirty="0" smtClean="0"/>
+              <a:t> </a:t>
+            </a:r>
+            <a:r>
+              <a:rPr lang="nl-NL" dirty="0" err="1" smtClean="0"/>
+              <a:t>for</a:t>
+            </a:r>
+            <a:r>
+              <a:rPr lang="nl-NL" dirty="0" smtClean="0"/>
+              <a:t> </a:t>
+            </a:r>
+            <a:r>
+              <a:rPr lang="nl-NL" dirty="0" err="1" smtClean="0"/>
+              <a:t>this</a:t>
+            </a:r>
+            <a:r>
+              <a:rPr lang="nl-NL" dirty="0" smtClean="0"/>
+              <a:t> </a:t>
+            </a:r>
+            <a:r>
+              <a:rPr lang="nl-NL" dirty="0" err="1" smtClean="0"/>
+              <a:t>comparison</a:t>
+            </a:r>
+            <a:r>
+              <a:rPr lang="nl-NL" dirty="0" smtClean="0"/>
+              <a:t> </a:t>
+            </a:r>
+            <a:r>
+              <a:rPr lang="nl-NL" dirty="0" err="1" smtClean="0"/>
+              <a:t>because</a:t>
+            </a:r>
+            <a:r>
+              <a:rPr lang="nl-NL" dirty="0" smtClean="0"/>
+              <a:t> </a:t>
+            </a:r>
+            <a:r>
+              <a:rPr lang="nl-NL" dirty="0" err="1" smtClean="0"/>
+              <a:t>it</a:t>
+            </a:r>
+            <a:r>
+              <a:rPr lang="nl-NL" dirty="0" smtClean="0"/>
+              <a:t> </a:t>
+            </a:r>
+            <a:r>
+              <a:rPr lang="nl-NL" dirty="0" err="1" smtClean="0"/>
+              <a:t>can</a:t>
+            </a:r>
+            <a:r>
+              <a:rPr lang="nl-NL" dirty="0" smtClean="0"/>
+              <a:t> </a:t>
+            </a:r>
+            <a:r>
+              <a:rPr lang="nl-NL" dirty="0" err="1" smtClean="0"/>
+              <a:t>not</a:t>
+            </a:r>
+            <a:r>
+              <a:rPr lang="nl-NL" dirty="0" smtClean="0"/>
+              <a:t> </a:t>
+            </a:r>
+            <a:r>
+              <a:rPr lang="nl-NL" dirty="0" err="1" smtClean="0"/>
+              <a:t>blast</a:t>
+            </a:r>
+            <a:r>
+              <a:rPr lang="nl-NL" dirty="0" smtClean="0"/>
+              <a:t>.</a:t>
+            </a:r>
+            <a:endParaRPr lang="nl-NL" dirty="0" smtClean="0"/>
           </a:p>
         </p:txBody>
       </p:sp>
@@ -1163,15 +1252,7 @@
             </a:pPr>
             <a:r>
               <a:rPr lang="nl-NL" dirty="0" smtClean="0"/>
-              <a:t>All results are roughly </a:t>
-            </a:r>
-            <a:r>
-              <a:rPr lang="nl-NL" dirty="0" smtClean="0"/>
-              <a:t>the same </a:t>
-            </a:r>
-            <a:r>
-              <a:rPr lang="nl-NL" dirty="0" smtClean="0"/>
-              <a:t>but are still different in all three programs</a:t>
+              <a:t>All results are roughly the same but are still different in all three programs</a:t>
             </a:r>
           </a:p>
         </p:txBody>
@@ -2285,7 +2366,7 @@
               <a:pPr>
                 <a:defRPr/>
               </a:pPr>
-              <a:t>27-11-2012</a:t>
+              <a:t>28-11-2012</a:t>
             </a:fld>
             <a:endParaRPr lang="nl-NL"/>
           </a:p>
@@ -2336,7 +2417,7 @@
               <a:pPr>
                 <a:defRPr/>
               </a:pPr>
-              <a:t>‹#›</a:t>
+              <a:t>‹nr.›</a:t>
             </a:fld>
             <a:endParaRPr lang="nl-NL"/>
           </a:p>
@@ -2465,7 +2546,7 @@
               <a:pPr>
                 <a:defRPr/>
               </a:pPr>
-              <a:t>27-11-2012</a:t>
+              <a:t>28-11-2012</a:t>
             </a:fld>
             <a:endParaRPr lang="nl-NL"/>
           </a:p>
@@ -2516,7 +2597,7 @@
               <a:pPr>
                 <a:defRPr/>
               </a:pPr>
-              <a:t>‹#›</a:t>
+              <a:t>‹nr.›</a:t>
             </a:fld>
             <a:endParaRPr lang="nl-NL"/>
           </a:p>
@@ -2655,7 +2736,7 @@
               <a:pPr>
                 <a:defRPr/>
               </a:pPr>
-              <a:t>27-11-2012</a:t>
+              <a:t>28-11-2012</a:t>
             </a:fld>
             <a:endParaRPr lang="nl-NL"/>
           </a:p>
@@ -2706,7 +2787,7 @@
               <a:pPr>
                 <a:defRPr/>
               </a:pPr>
-              <a:t>‹#›</a:t>
+              <a:t>‹nr.›</a:t>
             </a:fld>
             <a:endParaRPr lang="nl-NL"/>
           </a:p>
@@ -2835,7 +2916,7 @@
               <a:pPr>
                 <a:defRPr/>
               </a:pPr>
-              <a:t>27-11-2012</a:t>
+              <a:t>28-11-2012</a:t>
             </a:fld>
             <a:endParaRPr lang="nl-NL"/>
           </a:p>
@@ -2886,7 +2967,7 @@
               <a:pPr>
                 <a:defRPr/>
               </a:pPr>
-              <a:t>‹#›</a:t>
+              <a:t>‹nr.›</a:t>
             </a:fld>
             <a:endParaRPr lang="nl-NL"/>
           </a:p>
@@ -3091,7 +3172,7 @@
               <a:pPr>
                 <a:defRPr/>
               </a:pPr>
-              <a:t>27-11-2012</a:t>
+              <a:t>28-11-2012</a:t>
             </a:fld>
             <a:endParaRPr lang="nl-NL"/>
           </a:p>
@@ -3142,7 +3223,7 @@
               <a:pPr>
                 <a:defRPr/>
               </a:pPr>
-              <a:t>‹#›</a:t>
+              <a:t>‹nr.›</a:t>
             </a:fld>
             <a:endParaRPr lang="nl-NL"/>
           </a:p>
@@ -3389,7 +3470,7 @@
               <a:pPr>
                 <a:defRPr/>
               </a:pPr>
-              <a:t>27-11-2012</a:t>
+              <a:t>28-11-2012</a:t>
             </a:fld>
             <a:endParaRPr lang="nl-NL"/>
           </a:p>
@@ -3440,7 +3521,7 @@
               <a:pPr>
                 <a:defRPr/>
               </a:pPr>
-              <a:t>‹#›</a:t>
+              <a:t>‹nr.›</a:t>
             </a:fld>
             <a:endParaRPr lang="nl-NL"/>
           </a:p>
@@ -3821,7 +3902,7 @@
               <a:pPr>
                 <a:defRPr/>
               </a:pPr>
-              <a:t>27-11-2012</a:t>
+              <a:t>28-11-2012</a:t>
             </a:fld>
             <a:endParaRPr lang="nl-NL"/>
           </a:p>
@@ -3872,7 +3953,7 @@
               <a:pPr>
                 <a:defRPr/>
               </a:pPr>
-              <a:t>‹#›</a:t>
+              <a:t>‹nr.›</a:t>
             </a:fld>
             <a:endParaRPr lang="nl-NL"/>
           </a:p>
@@ -3949,7 +4030,7 @@
               <a:pPr>
                 <a:defRPr/>
               </a:pPr>
-              <a:t>27-11-2012</a:t>
+              <a:t>28-11-2012</a:t>
             </a:fld>
             <a:endParaRPr lang="nl-NL"/>
           </a:p>
@@ -4000,7 +4081,7 @@
               <a:pPr>
                 <a:defRPr/>
               </a:pPr>
-              <a:t>‹#›</a:t>
+              <a:t>‹nr.›</a:t>
             </a:fld>
             <a:endParaRPr lang="nl-NL"/>
           </a:p>
@@ -4054,7 +4135,7 @@
               <a:pPr>
                 <a:defRPr/>
               </a:pPr>
-              <a:t>27-11-2012</a:t>
+              <a:t>28-11-2012</a:t>
             </a:fld>
             <a:endParaRPr lang="nl-NL"/>
           </a:p>
@@ -4105,7 +4186,7 @@
               <a:pPr>
                 <a:defRPr/>
               </a:pPr>
-              <a:t>‹#›</a:t>
+              <a:t>‹nr.›</a:t>
             </a:fld>
             <a:endParaRPr lang="nl-NL"/>
           </a:p>
@@ -4341,7 +4422,7 @@
               <a:pPr>
                 <a:defRPr/>
               </a:pPr>
-              <a:t>27-11-2012</a:t>
+              <a:t>28-11-2012</a:t>
             </a:fld>
             <a:endParaRPr lang="nl-NL"/>
           </a:p>
@@ -4392,7 +4473,7 @@
               <a:pPr>
                 <a:defRPr/>
               </a:pPr>
-              <a:t>‹#›</a:t>
+              <a:t>‹nr.›</a:t>
             </a:fld>
             <a:endParaRPr lang="nl-NL"/>
           </a:p>
@@ -4604,7 +4685,7 @@
               <a:pPr>
                 <a:defRPr/>
               </a:pPr>
-              <a:t>27-11-2012</a:t>
+              <a:t>28-11-2012</a:t>
             </a:fld>
             <a:endParaRPr lang="nl-NL"/>
           </a:p>
@@ -4655,7 +4736,7 @@
               <a:pPr>
                 <a:defRPr/>
               </a:pPr>
-              <a:t>‹#›</a:t>
+              <a:t>‹nr.›</a:t>
             </a:fld>
             <a:endParaRPr lang="nl-NL"/>
           </a:p>
@@ -4827,7 +4908,7 @@
               <a:pPr>
                 <a:defRPr/>
               </a:pPr>
-              <a:t>27-11-2012</a:t>
+              <a:t>28-11-2012</a:t>
             </a:fld>
             <a:endParaRPr lang="nl-NL"/>
           </a:p>
@@ -4914,7 +4995,7 @@
               <a:pPr>
                 <a:defRPr/>
               </a:pPr>
-              <a:t>‹#›</a:t>
+              <a:t>‹nr.›</a:t>
             </a:fld>
             <a:endParaRPr lang="nl-NL"/>
           </a:p>
@@ -5990,10 +6071,10 @@
           <p:nvPr/>
         </p:nvPicPr>
         <p:blipFill>
-          <a:blip r:embed="rId2">
+          <a:blip r:embed="rId2" cstate="print">
             <a:extLst>
               <a:ext uri="{28A0092B-C50C-407E-A947-70E740481C1C}">
-                <a14:useLocalDpi xmlns:a14="http://schemas.microsoft.com/office/drawing/2010/main" val="0"/>
+                <a14:useLocalDpi xmlns:a14="http://schemas.microsoft.com/office/drawing/2010/main" xmlns="" val="0"/>
               </a:ext>
             </a:extLst>
           </a:blip>
@@ -6017,14 +6098,14 @@
           <a:effectLst/>
           <a:extLst>
             <a:ext uri="{909E8E84-426E-40DD-AFC4-6F175D3DCCD1}">
-              <a14:hiddenFill xmlns:a14="http://schemas.microsoft.com/office/drawing/2010/main">
+              <a14:hiddenFill xmlns:a14="http://schemas.microsoft.com/office/drawing/2010/main" xmlns="">
                 <a:solidFill>
                   <a:schemeClr val="accent1"/>
                 </a:solidFill>
               </a14:hiddenFill>
             </a:ext>
             <a:ext uri="{91240B29-F687-4F45-9708-019B960494DF}">
-              <a14:hiddenLine xmlns:a14="http://schemas.microsoft.com/office/drawing/2010/main" w="9525">
+              <a14:hiddenLine xmlns:a14="http://schemas.microsoft.com/office/drawing/2010/main" xmlns="" w="9525">
                 <a:solidFill>
                   <a:schemeClr val="tx1"/>
                 </a:solidFill>
@@ -6034,7 +6115,7 @@
               </a14:hiddenLine>
             </a:ext>
             <a:ext uri="{AF507438-7753-43E0-B8FC-AC1667EBCBE1}">
-              <a14:hiddenEffects xmlns:a14="http://schemas.microsoft.com/office/drawing/2010/main">
+              <a14:hiddenEffects xmlns:a14="http://schemas.microsoft.com/office/drawing/2010/main" xmlns="">
                 <a:effectLst>
                   <a:outerShdw dist="35921" dir="2700000" algn="ctr" rotWithShape="0">
                     <a:schemeClr val="bg2"/>
@@ -6048,7 +6129,7 @@
     </p:spTree>
     <p:extLst>
       <p:ext uri="{BB962C8B-B14F-4D97-AF65-F5344CB8AC3E}">
-        <p14:creationId xmlns:p14="http://schemas.microsoft.com/office/powerpoint/2010/main" val="1108470957"/>
+        <p14:creationId xmlns:p14="http://schemas.microsoft.com/office/powerpoint/2010/main" xmlns="" val="1108470957"/>
       </p:ext>
     </p:extLst>
   </p:cSld>
@@ -6368,59 +6449,9 @@
         </p:xfrm>
         <a:graphic>
           <a:graphicData uri="http://schemas.openxmlformats.org/presentationml/2006/ole">
-            <mc:AlternateContent xmlns:mc="http://schemas.openxmlformats.org/markup-compatibility/2006">
-              <mc:Choice xmlns:v="urn:schemas-microsoft-com:vml" Requires="v">
-                <p:oleObj spid="_x0000_s50183" name="Document" r:id="rId4" imgW="5958840" imgH="2581656" progId="Word.Document.8">
-                  <p:embed/>
-                </p:oleObj>
-              </mc:Choice>
-              <mc:Fallback>
-                <p:oleObj name="Document" r:id="rId4" imgW="5958840" imgH="2581656" progId="Word.Document.8">
-                  <p:embed/>
-                  <p:pic>
-                    <p:nvPicPr>
-                      <p:cNvPr id="0" name="Picture 5"/>
-                      <p:cNvPicPr>
-                        <a:picLocks noChangeAspect="1" noChangeArrowheads="1"/>
-                      </p:cNvPicPr>
-                      <p:nvPr/>
-                    </p:nvPicPr>
-                    <p:blipFill>
-                      <a:blip r:embed="rId5">
-                        <a:extLst>
-                          <a:ext uri="{28A0092B-C50C-407E-A947-70E740481C1C}">
-                            <a14:useLocalDpi xmlns:a14="http://schemas.microsoft.com/office/drawing/2010/main" val="0"/>
-                          </a:ext>
-                        </a:extLst>
-                      </a:blip>
-                      <a:srcRect/>
-                      <a:stretch>
-                        <a:fillRect/>
-                      </a:stretch>
-                    </p:blipFill>
-                    <p:spPr bwMode="auto">
-                      <a:xfrm>
-                        <a:off x="1508125" y="1752600"/>
-                        <a:ext cx="5959475" cy="2581275"/>
-                      </a:xfrm>
-                      <a:prstGeom prst="rect">
-                        <a:avLst/>
-                      </a:prstGeom>
-                      <a:noFill/>
-                      <a:extLst>
-                        <a:ext uri="{909E8E84-426E-40DD-AFC4-6F175D3DCCD1}">
-                          <a14:hiddenFill xmlns:a14="http://schemas.microsoft.com/office/drawing/2010/main">
-                            <a:solidFill>
-                              <a:srgbClr val="FFFFFF"/>
-                            </a:solidFill>
-                          </a14:hiddenFill>
-                        </a:ext>
-                      </a:extLst>
-                    </p:spPr>
-                  </p:pic>
-                </p:oleObj>
-              </mc:Fallback>
-            </mc:AlternateContent>
+            <p:oleObj spid="_x0000_s50183" name="Document" r:id="rId4" imgW="5958840" imgH="2581656" progId="Word.Document.8">
+              <p:embed/>
+            </p:oleObj>
           </a:graphicData>
         </a:graphic>
       </p:graphicFrame>
@@ -6712,10 +6743,10 @@
           <p:nvPr/>
         </p:nvPicPr>
         <p:blipFill>
-          <a:blip r:embed="rId3">
+          <a:blip r:embed="rId3" cstate="print">
             <a:extLst>
               <a:ext uri="{28A0092B-C50C-407E-A947-70E740481C1C}">
-                <a14:useLocalDpi xmlns:a14="http://schemas.microsoft.com/office/drawing/2010/main" val="0"/>
+                <a14:useLocalDpi xmlns:a14="http://schemas.microsoft.com/office/drawing/2010/main" xmlns="" val="0"/>
               </a:ext>
             </a:extLst>
           </a:blip>
@@ -6739,14 +6770,14 @@
           <a:effectLst/>
           <a:extLst>
             <a:ext uri="{909E8E84-426E-40DD-AFC4-6F175D3DCCD1}">
-              <a14:hiddenFill xmlns:a14="http://schemas.microsoft.com/office/drawing/2010/main">
+              <a14:hiddenFill xmlns:a14="http://schemas.microsoft.com/office/drawing/2010/main" xmlns="">
                 <a:solidFill>
                   <a:schemeClr val="accent1"/>
                 </a:solidFill>
               </a14:hiddenFill>
             </a:ext>
             <a:ext uri="{91240B29-F687-4F45-9708-019B960494DF}">
-              <a14:hiddenLine xmlns:a14="http://schemas.microsoft.com/office/drawing/2010/main" w="9525">
+              <a14:hiddenLine xmlns:a14="http://schemas.microsoft.com/office/drawing/2010/main" xmlns="" w="9525">
                 <a:solidFill>
                   <a:schemeClr val="tx1"/>
                 </a:solidFill>
@@ -6756,7 +6787,7 @@
               </a14:hiddenLine>
             </a:ext>
             <a:ext uri="{AF507438-7753-43E0-B8FC-AC1667EBCBE1}">
-              <a14:hiddenEffects xmlns:a14="http://schemas.microsoft.com/office/drawing/2010/main">
+              <a14:hiddenEffects xmlns:a14="http://schemas.microsoft.com/office/drawing/2010/main" xmlns="">
                 <a:effectLst>
                   <a:outerShdw dist="35921" dir="2700000" algn="ctr" rotWithShape="0">
                     <a:schemeClr val="bg2"/>
@@ -6776,10 +6807,10 @@
           <p:nvPr/>
         </p:nvPicPr>
         <p:blipFill>
-          <a:blip r:embed="rId4">
+          <a:blip r:embed="rId4" cstate="print">
             <a:extLst>
               <a:ext uri="{28A0092B-C50C-407E-A947-70E740481C1C}">
-                <a14:useLocalDpi xmlns:a14="http://schemas.microsoft.com/office/drawing/2010/main" val="0"/>
+                <a14:useLocalDpi xmlns:a14="http://schemas.microsoft.com/office/drawing/2010/main" xmlns="" val="0"/>
               </a:ext>
             </a:extLst>
           </a:blip>
@@ -6803,14 +6834,14 @@
           <a:effectLst/>
           <a:extLst>
             <a:ext uri="{909E8E84-426E-40DD-AFC4-6F175D3DCCD1}">
-              <a14:hiddenFill xmlns:a14="http://schemas.microsoft.com/office/drawing/2010/main">
+              <a14:hiddenFill xmlns:a14="http://schemas.microsoft.com/office/drawing/2010/main" xmlns="">
                 <a:solidFill>
                   <a:schemeClr val="accent1"/>
                 </a:solidFill>
               </a14:hiddenFill>
             </a:ext>
             <a:ext uri="{91240B29-F687-4F45-9708-019B960494DF}">
-              <a14:hiddenLine xmlns:a14="http://schemas.microsoft.com/office/drawing/2010/main" w="9525">
+              <a14:hiddenLine xmlns:a14="http://schemas.microsoft.com/office/drawing/2010/main" xmlns="" w="9525">
                 <a:solidFill>
                   <a:schemeClr val="tx1"/>
                 </a:solidFill>
@@ -6820,7 +6851,7 @@
               </a14:hiddenLine>
             </a:ext>
             <a:ext uri="{AF507438-7753-43E0-B8FC-AC1667EBCBE1}">
-              <a14:hiddenEffects xmlns:a14="http://schemas.microsoft.com/office/drawing/2010/main">
+              <a14:hiddenEffects xmlns:a14="http://schemas.microsoft.com/office/drawing/2010/main" xmlns="">
                 <a:effectLst>
                   <a:outerShdw dist="35921" dir="2700000" algn="ctr" rotWithShape="0">
                     <a:schemeClr val="bg2"/>
@@ -6840,10 +6871,10 @@
           <p:nvPr/>
         </p:nvPicPr>
         <p:blipFill>
-          <a:blip r:embed="rId5">
+          <a:blip r:embed="rId5" cstate="print">
             <a:extLst>
               <a:ext uri="{28A0092B-C50C-407E-A947-70E740481C1C}">
-                <a14:useLocalDpi xmlns:a14="http://schemas.microsoft.com/office/drawing/2010/main" val="0"/>
+                <a14:useLocalDpi xmlns:a14="http://schemas.microsoft.com/office/drawing/2010/main" xmlns="" val="0"/>
               </a:ext>
             </a:extLst>
           </a:blip>
@@ -6867,14 +6898,14 @@
           <a:effectLst/>
           <a:extLst>
             <a:ext uri="{909E8E84-426E-40DD-AFC4-6F175D3DCCD1}">
-              <a14:hiddenFill xmlns:a14="http://schemas.microsoft.com/office/drawing/2010/main">
+              <a14:hiddenFill xmlns:a14="http://schemas.microsoft.com/office/drawing/2010/main" xmlns="">
                 <a:solidFill>
                   <a:schemeClr val="accent1"/>
                 </a:solidFill>
               </a14:hiddenFill>
             </a:ext>
             <a:ext uri="{91240B29-F687-4F45-9708-019B960494DF}">
-              <a14:hiddenLine xmlns:a14="http://schemas.microsoft.com/office/drawing/2010/main" w="9525">
+              <a14:hiddenLine xmlns:a14="http://schemas.microsoft.com/office/drawing/2010/main" xmlns="" w="9525">
                 <a:solidFill>
                   <a:schemeClr val="tx1"/>
                 </a:solidFill>
@@ -6884,7 +6915,7 @@
               </a14:hiddenLine>
             </a:ext>
             <a:ext uri="{AF507438-7753-43E0-B8FC-AC1667EBCBE1}">
-              <a14:hiddenEffects xmlns:a14="http://schemas.microsoft.com/office/drawing/2010/main">
+              <a14:hiddenEffects xmlns:a14="http://schemas.microsoft.com/office/drawing/2010/main" xmlns="">
                 <a:effectLst>
                   <a:outerShdw dist="35921" dir="2700000" algn="ctr" rotWithShape="0">
                     <a:schemeClr val="bg2"/>
@@ -7142,10 +7173,10 @@
           <p:nvPr/>
         </p:nvPicPr>
         <p:blipFill>
-          <a:blip r:embed="rId3">
+          <a:blip r:embed="rId3" cstate="print">
             <a:extLst>
               <a:ext uri="{28A0092B-C50C-407E-A947-70E740481C1C}">
-                <a14:useLocalDpi xmlns:a14="http://schemas.microsoft.com/office/drawing/2010/main" val="0"/>
+                <a14:useLocalDpi xmlns:a14="http://schemas.microsoft.com/office/drawing/2010/main" xmlns="" val="0"/>
               </a:ext>
             </a:extLst>
           </a:blip>
@@ -7169,14 +7200,14 @@
           <a:effectLst/>
           <a:extLst>
             <a:ext uri="{909E8E84-426E-40DD-AFC4-6F175D3DCCD1}">
-              <a14:hiddenFill xmlns:a14="http://schemas.microsoft.com/office/drawing/2010/main">
+              <a14:hiddenFill xmlns:a14="http://schemas.microsoft.com/office/drawing/2010/main" xmlns="">
                 <a:solidFill>
                   <a:schemeClr val="accent1"/>
                 </a:solidFill>
               </a14:hiddenFill>
             </a:ext>
             <a:ext uri="{91240B29-F687-4F45-9708-019B960494DF}">
-              <a14:hiddenLine xmlns:a14="http://schemas.microsoft.com/office/drawing/2010/main" w="9525">
+              <a14:hiddenLine xmlns:a14="http://schemas.microsoft.com/office/drawing/2010/main" xmlns="" w="9525">
                 <a:solidFill>
                   <a:schemeClr val="tx1"/>
                 </a:solidFill>
@@ -7186,7 +7217,7 @@
               </a14:hiddenLine>
             </a:ext>
             <a:ext uri="{AF507438-7753-43E0-B8FC-AC1667EBCBE1}">
-              <a14:hiddenEffects xmlns:a14="http://schemas.microsoft.com/office/drawing/2010/main">
+              <a14:hiddenEffects xmlns:a14="http://schemas.microsoft.com/office/drawing/2010/main" xmlns="">
                 <a:effectLst>
                   <a:outerShdw dist="35921" dir="2700000" algn="ctr" rotWithShape="0">
                     <a:schemeClr val="bg2"/>
@@ -7206,10 +7237,10 @@
           <p:nvPr/>
         </p:nvPicPr>
         <p:blipFill>
-          <a:blip r:embed="rId4">
+          <a:blip r:embed="rId4" cstate="print">
             <a:extLst>
               <a:ext uri="{28A0092B-C50C-407E-A947-70E740481C1C}">
-                <a14:useLocalDpi xmlns:a14="http://schemas.microsoft.com/office/drawing/2010/main" val="0"/>
+                <a14:useLocalDpi xmlns:a14="http://schemas.microsoft.com/office/drawing/2010/main" xmlns="" val="0"/>
               </a:ext>
             </a:extLst>
           </a:blip>
@@ -7233,14 +7264,14 @@
           <a:effectLst/>
           <a:extLst>
             <a:ext uri="{909E8E84-426E-40DD-AFC4-6F175D3DCCD1}">
-              <a14:hiddenFill xmlns:a14="http://schemas.microsoft.com/office/drawing/2010/main">
+              <a14:hiddenFill xmlns:a14="http://schemas.microsoft.com/office/drawing/2010/main" xmlns="">
                 <a:solidFill>
                   <a:schemeClr val="accent1"/>
                 </a:solidFill>
               </a14:hiddenFill>
             </a:ext>
             <a:ext uri="{91240B29-F687-4F45-9708-019B960494DF}">
-              <a14:hiddenLine xmlns:a14="http://schemas.microsoft.com/office/drawing/2010/main" w="9525">
+              <a14:hiddenLine xmlns:a14="http://schemas.microsoft.com/office/drawing/2010/main" xmlns="" w="9525">
                 <a:solidFill>
                   <a:schemeClr val="tx1"/>
                 </a:solidFill>
@@ -7250,7 +7281,7 @@
               </a14:hiddenLine>
             </a:ext>
             <a:ext uri="{AF507438-7753-43E0-B8FC-AC1667EBCBE1}">
-              <a14:hiddenEffects xmlns:a14="http://schemas.microsoft.com/office/drawing/2010/main">
+              <a14:hiddenEffects xmlns:a14="http://schemas.microsoft.com/office/drawing/2010/main" xmlns="">
                 <a:effectLst>
                   <a:outerShdw dist="35921" dir="2700000" algn="ctr" rotWithShape="0">
                     <a:schemeClr val="bg2"/>
@@ -7270,10 +7301,10 @@
           <p:nvPr/>
         </p:nvPicPr>
         <p:blipFill>
-          <a:blip r:embed="rId5">
+          <a:blip r:embed="rId5" cstate="print">
             <a:extLst>
               <a:ext uri="{28A0092B-C50C-407E-A947-70E740481C1C}">
-                <a14:useLocalDpi xmlns:a14="http://schemas.microsoft.com/office/drawing/2010/main" val="0"/>
+                <a14:useLocalDpi xmlns:a14="http://schemas.microsoft.com/office/drawing/2010/main" xmlns="" val="0"/>
               </a:ext>
             </a:extLst>
           </a:blip>
@@ -7297,14 +7328,14 @@
           <a:effectLst/>
           <a:extLst>
             <a:ext uri="{909E8E84-426E-40DD-AFC4-6F175D3DCCD1}">
-              <a14:hiddenFill xmlns:a14="http://schemas.microsoft.com/office/drawing/2010/main">
+              <a14:hiddenFill xmlns:a14="http://schemas.microsoft.com/office/drawing/2010/main" xmlns="">
                 <a:solidFill>
                   <a:schemeClr val="accent1"/>
                 </a:solidFill>
               </a14:hiddenFill>
             </a:ext>
             <a:ext uri="{91240B29-F687-4F45-9708-019B960494DF}">
-              <a14:hiddenLine xmlns:a14="http://schemas.microsoft.com/office/drawing/2010/main" w="9525">
+              <a14:hiddenLine xmlns:a14="http://schemas.microsoft.com/office/drawing/2010/main" xmlns="" w="9525">
                 <a:solidFill>
                   <a:schemeClr val="tx1"/>
                 </a:solidFill>
@@ -7314,7 +7345,7 @@
               </a14:hiddenLine>
             </a:ext>
             <a:ext uri="{AF507438-7753-43E0-B8FC-AC1667EBCBE1}">
-              <a14:hiddenEffects xmlns:a14="http://schemas.microsoft.com/office/drawing/2010/main">
+              <a14:hiddenEffects xmlns:a14="http://schemas.microsoft.com/office/drawing/2010/main" xmlns="">
                 <a:effectLst>
                   <a:outerShdw dist="35921" dir="2700000" algn="ctr" rotWithShape="0">
                     <a:schemeClr val="bg2"/>
@@ -7532,298 +7563,444 @@
           <a:p>
             <a:pPr eaLnBrk="1" hangingPunct="1"/>
             <a:r>
-              <a:rPr lang="nl-NL" dirty="0" smtClean="0"/>
+              <a:rPr lang="nl-NL" dirty="0" smtClean="0">
+                <a:latin typeface="Lucida Sans" pitchFamily="34" charset="0"/>
+              </a:rPr>
               <a:t>Run Ion </a:t>
             </a:r>
             <a:r>
-              <a:rPr lang="nl-NL" dirty="0" err="1" smtClean="0"/>
+              <a:rPr lang="nl-NL" dirty="0" err="1" smtClean="0">
+                <a:latin typeface="Lucida Sans" pitchFamily="34" charset="0"/>
+              </a:rPr>
               <a:t>Torrent</a:t>
             </a:r>
             <a:r>
-              <a:rPr lang="nl-NL" dirty="0" smtClean="0"/>
+              <a:rPr lang="nl-NL" dirty="0" smtClean="0">
+                <a:latin typeface="Lucida Sans" pitchFamily="34" charset="0"/>
+              </a:rPr>
               <a:t> data </a:t>
             </a:r>
             <a:r>
-              <a:rPr lang="nl-NL" dirty="0" err="1" smtClean="0"/>
+              <a:rPr lang="nl-NL" dirty="0" err="1" smtClean="0">
+                <a:latin typeface="Lucida Sans" pitchFamily="34" charset="0"/>
+              </a:rPr>
               <a:t>obtained</a:t>
             </a:r>
             <a:r>
-              <a:rPr lang="nl-NL" dirty="0" smtClean="0"/>
+              <a:rPr lang="nl-NL" dirty="0" smtClean="0">
+                <a:latin typeface="Lucida Sans" pitchFamily="34" charset="0"/>
+              </a:rPr>
               <a:t> of </a:t>
             </a:r>
             <a:r>
-              <a:rPr lang="nl-NL" dirty="0" err="1" smtClean="0"/>
+              <a:rPr lang="nl-NL" dirty="0" err="1" smtClean="0">
+                <a:latin typeface="Lucida Sans" pitchFamily="34" charset="0"/>
+              </a:rPr>
               <a:t>incense</a:t>
             </a:r>
             <a:r>
-              <a:rPr lang="nl-NL" dirty="0" smtClean="0"/>
+              <a:rPr lang="nl-NL" dirty="0" smtClean="0">
+                <a:latin typeface="Lucida Sans" pitchFamily="34" charset="0"/>
+              </a:rPr>
               <a:t> </a:t>
             </a:r>
             <a:r>
-              <a:rPr lang="nl-NL" dirty="0" err="1" smtClean="0"/>
+              <a:rPr lang="nl-NL" dirty="0" err="1" smtClean="0">
+                <a:latin typeface="Lucida Sans" pitchFamily="34" charset="0"/>
+              </a:rPr>
               <a:t>cone</a:t>
             </a:r>
             <a:r>
-              <a:rPr lang="nl-NL" dirty="0" smtClean="0"/>
+              <a:rPr lang="nl-NL" dirty="0" smtClean="0">
+                <a:latin typeface="Lucida Sans" pitchFamily="34" charset="0"/>
+              </a:rPr>
               <a:t> </a:t>
             </a:r>
             <a:r>
-              <a:rPr lang="nl-NL" dirty="0" err="1" smtClean="0"/>
+              <a:rPr lang="nl-NL" dirty="0" err="1" smtClean="0">
+                <a:latin typeface="Lucida Sans" pitchFamily="34" charset="0"/>
+              </a:rPr>
               <a:t>with</a:t>
             </a:r>
             <a:r>
-              <a:rPr lang="nl-NL" dirty="0" smtClean="0"/>
+              <a:rPr lang="nl-NL" dirty="0" smtClean="0">
+                <a:latin typeface="Lucida Sans" pitchFamily="34" charset="0"/>
+              </a:rPr>
               <a:t> </a:t>
             </a:r>
             <a:r>
-              <a:rPr lang="nl-NL" dirty="0" err="1" smtClean="0"/>
+              <a:rPr lang="nl-NL" dirty="0" err="1" smtClean="0">
+                <a:latin typeface="Lucida Sans" pitchFamily="34" charset="0"/>
+              </a:rPr>
               <a:t>fully</a:t>
             </a:r>
             <a:r>
-              <a:rPr lang="nl-NL" dirty="0" smtClean="0"/>
+              <a:rPr lang="nl-NL" dirty="0" smtClean="0">
+                <a:latin typeface="Lucida Sans" pitchFamily="34" charset="0"/>
+              </a:rPr>
               <a:t> </a:t>
             </a:r>
             <a:r>
-              <a:rPr lang="nl-NL" dirty="0" err="1" smtClean="0"/>
+              <a:rPr lang="nl-NL" dirty="0" err="1" smtClean="0">
+                <a:latin typeface="Lucida Sans" pitchFamily="34" charset="0"/>
+              </a:rPr>
               <a:t>known</a:t>
             </a:r>
             <a:r>
-              <a:rPr lang="nl-NL" dirty="0" smtClean="0"/>
+              <a:rPr lang="nl-NL" dirty="0" smtClean="0">
+                <a:latin typeface="Lucida Sans" pitchFamily="34" charset="0"/>
+              </a:rPr>
               <a:t> </a:t>
             </a:r>
             <a:r>
-              <a:rPr lang="nl-NL" dirty="0" err="1" smtClean="0"/>
+              <a:rPr lang="nl-NL" dirty="0" err="1" smtClean="0">
+                <a:latin typeface="Lucida Sans" pitchFamily="34" charset="0"/>
+              </a:rPr>
               <a:t>ingredients</a:t>
             </a:r>
             <a:r>
-              <a:rPr lang="nl-NL" dirty="0" smtClean="0"/>
+              <a:rPr lang="nl-NL" dirty="0" smtClean="0">
+                <a:latin typeface="Lucida Sans" pitchFamily="34" charset="0"/>
+              </a:rPr>
               <a:t> </a:t>
             </a:r>
             <a:r>
-              <a:rPr lang="nl-NL" dirty="0" err="1" smtClean="0"/>
+              <a:rPr lang="nl-NL" dirty="0" err="1" smtClean="0">
+                <a:latin typeface="Lucida Sans" pitchFamily="34" charset="0"/>
+              </a:rPr>
               <a:t>provided</a:t>
             </a:r>
             <a:r>
-              <a:rPr lang="nl-NL" dirty="0" smtClean="0"/>
+              <a:rPr lang="nl-NL" dirty="0" smtClean="0">
+                <a:latin typeface="Lucida Sans" pitchFamily="34" charset="0"/>
+              </a:rPr>
               <a:t> </a:t>
             </a:r>
             <a:r>
-              <a:rPr lang="nl-NL" dirty="0" err="1" smtClean="0"/>
+              <a:rPr lang="nl-NL" dirty="0" err="1" smtClean="0">
+                <a:latin typeface="Lucida Sans" pitchFamily="34" charset="0"/>
+              </a:rPr>
               <a:t>by</a:t>
             </a:r>
             <a:r>
-              <a:rPr lang="nl-NL" dirty="0" smtClean="0"/>
+              <a:rPr lang="nl-NL" dirty="0" smtClean="0">
+                <a:latin typeface="Lucida Sans" pitchFamily="34" charset="0"/>
+              </a:rPr>
               <a:t> </a:t>
             </a:r>
             <a:r>
-              <a:rPr lang="nl-NL" dirty="0" err="1" smtClean="0"/>
+              <a:rPr lang="nl-NL" dirty="0" err="1" smtClean="0">
+                <a:latin typeface="Lucida Sans" pitchFamily="34" charset="0"/>
+              </a:rPr>
               <a:t>retailer</a:t>
             </a:r>
             <a:r>
-              <a:rPr lang="nl-NL" dirty="0"/>
+              <a:rPr lang="nl-NL" dirty="0">
+                <a:latin typeface="Lucida Sans" pitchFamily="34" charset="0"/>
+              </a:rPr>
               <a:t> </a:t>
             </a:r>
             <a:r>
-              <a:rPr lang="nl-NL" dirty="0" smtClean="0"/>
+              <a:rPr lang="nl-NL" dirty="0" smtClean="0">
+                <a:latin typeface="Lucida Sans" pitchFamily="34" charset="0"/>
+              </a:rPr>
               <a:t>&gt; </a:t>
             </a:r>
             <a:r>
-              <a:rPr lang="nl-NL" dirty="0" err="1" smtClean="0"/>
+              <a:rPr lang="nl-NL" dirty="0" err="1" smtClean="0">
+                <a:latin typeface="Lucida Sans" pitchFamily="34" charset="0"/>
+              </a:rPr>
               <a:t>which</a:t>
             </a:r>
             <a:r>
-              <a:rPr lang="nl-NL" dirty="0" smtClean="0"/>
+              <a:rPr lang="nl-NL" dirty="0" smtClean="0">
+                <a:latin typeface="Lucida Sans" pitchFamily="34" charset="0"/>
+              </a:rPr>
               <a:t> </a:t>
             </a:r>
             <a:r>
-              <a:rPr lang="nl-NL" dirty="0" err="1" smtClean="0"/>
+              <a:rPr lang="nl-NL" dirty="0" err="1" smtClean="0">
+                <a:latin typeface="Lucida Sans" pitchFamily="34" charset="0"/>
+              </a:rPr>
               <a:t>package</a:t>
             </a:r>
             <a:r>
-              <a:rPr lang="nl-NL" dirty="0" smtClean="0"/>
+              <a:rPr lang="nl-NL" dirty="0" smtClean="0">
+                <a:latin typeface="Lucida Sans" pitchFamily="34" charset="0"/>
+              </a:rPr>
               <a:t> </a:t>
             </a:r>
             <a:r>
-              <a:rPr lang="nl-NL" dirty="0" err="1" smtClean="0"/>
+              <a:rPr lang="nl-NL" dirty="0" err="1" smtClean="0">
+                <a:latin typeface="Lucida Sans" pitchFamily="34" charset="0"/>
+              </a:rPr>
               <a:t>retrieves</a:t>
             </a:r>
             <a:r>
-              <a:rPr lang="nl-NL" dirty="0" smtClean="0"/>
+              <a:rPr lang="nl-NL" dirty="0" smtClean="0">
+                <a:latin typeface="Lucida Sans" pitchFamily="34" charset="0"/>
+              </a:rPr>
               <a:t> most accurate data?</a:t>
             </a:r>
           </a:p>
           <a:p>
             <a:pPr eaLnBrk="1" hangingPunct="1"/>
-            <a:endParaRPr lang="nl-NL" dirty="0" smtClean="0"/>
+            <a:endParaRPr lang="nl-NL" dirty="0" smtClean="0">
+              <a:latin typeface="Lucida Sans" pitchFamily="34" charset="0"/>
+            </a:endParaRPr>
           </a:p>
           <a:p>
             <a:pPr eaLnBrk="1" hangingPunct="1"/>
-            <a:endParaRPr lang="nl-NL" dirty="0" smtClean="0"/>
+            <a:endParaRPr lang="nl-NL" dirty="0" smtClean="0">
+              <a:latin typeface="Lucida Sans" pitchFamily="34" charset="0"/>
+            </a:endParaRPr>
           </a:p>
           <a:p>
             <a:pPr eaLnBrk="1" hangingPunct="1"/>
-            <a:endParaRPr lang="nl-NL" dirty="0" smtClean="0"/>
+            <a:endParaRPr lang="nl-NL" dirty="0" smtClean="0">
+              <a:latin typeface="Lucida Sans" pitchFamily="34" charset="0"/>
+            </a:endParaRPr>
           </a:p>
           <a:p>
             <a:pPr eaLnBrk="1" hangingPunct="1"/>
             <a:r>
-              <a:rPr lang="nl-NL" dirty="0" smtClean="0"/>
+              <a:rPr lang="nl-NL" dirty="0" smtClean="0">
+                <a:latin typeface="Lucida Sans" pitchFamily="34" charset="0"/>
+              </a:rPr>
               <a:t>Design a </a:t>
             </a:r>
             <a:r>
-              <a:rPr lang="nl-NL" dirty="0" err="1" smtClean="0"/>
+              <a:rPr lang="nl-NL" dirty="0" err="1" smtClean="0">
+                <a:latin typeface="Lucida Sans" pitchFamily="34" charset="0"/>
+              </a:rPr>
               <a:t>pipeline</a:t>
             </a:r>
             <a:r>
-              <a:rPr lang="nl-NL" dirty="0" smtClean="0"/>
+              <a:rPr lang="nl-NL" dirty="0" smtClean="0">
+                <a:latin typeface="Lucida Sans" pitchFamily="34" charset="0"/>
+              </a:rPr>
               <a:t> </a:t>
             </a:r>
             <a:r>
-              <a:rPr lang="nl-NL" dirty="0" err="1" smtClean="0"/>
+              <a:rPr lang="nl-NL" dirty="0" err="1" smtClean="0">
+                <a:latin typeface="Lucida Sans" pitchFamily="34" charset="0"/>
+              </a:rPr>
               <a:t>for</a:t>
             </a:r>
             <a:r>
-              <a:rPr lang="nl-NL" dirty="0" smtClean="0"/>
+              <a:rPr lang="nl-NL" dirty="0" smtClean="0">
+                <a:latin typeface="Lucida Sans" pitchFamily="34" charset="0"/>
+              </a:rPr>
               <a:t> data </a:t>
             </a:r>
             <a:r>
-              <a:rPr lang="nl-NL" dirty="0" err="1" smtClean="0"/>
+              <a:rPr lang="nl-NL" dirty="0" err="1" smtClean="0">
+                <a:latin typeface="Lucida Sans" pitchFamily="34" charset="0"/>
+              </a:rPr>
               <a:t>handling</a:t>
             </a:r>
             <a:r>
-              <a:rPr lang="nl-NL" dirty="0" smtClean="0"/>
+              <a:rPr lang="nl-NL" dirty="0" smtClean="0">
+                <a:latin typeface="Lucida Sans" pitchFamily="34" charset="0"/>
+              </a:rPr>
               <a:t> </a:t>
             </a:r>
             <a:r>
-              <a:rPr lang="nl-NL" dirty="0" err="1" smtClean="0"/>
+              <a:rPr lang="nl-NL" dirty="0" err="1" smtClean="0">
+                <a:latin typeface="Lucida Sans" pitchFamily="34" charset="0"/>
+              </a:rPr>
               <a:t>ourselves</a:t>
             </a:r>
-            <a:endParaRPr lang="nl-NL" dirty="0" smtClean="0"/>
+            <a:endParaRPr lang="nl-NL" dirty="0" smtClean="0">
+              <a:latin typeface="Lucida Sans" pitchFamily="34" charset="0"/>
+            </a:endParaRPr>
           </a:p>
           <a:p>
             <a:pPr eaLnBrk="1" hangingPunct="1"/>
-            <a:endParaRPr lang="nl-NL" dirty="0" smtClean="0"/>
+            <a:endParaRPr lang="nl-NL" dirty="0" smtClean="0">
+              <a:latin typeface="Lucida Sans" pitchFamily="34" charset="0"/>
+            </a:endParaRPr>
           </a:p>
           <a:p>
             <a:pPr eaLnBrk="1" hangingPunct="1"/>
             <a:r>
-              <a:rPr lang="nl-NL" dirty="0" err="1" smtClean="0"/>
+              <a:rPr lang="nl-NL" dirty="0" err="1" smtClean="0">
+                <a:latin typeface="Lucida Sans" pitchFamily="34" charset="0"/>
+              </a:rPr>
               <a:t>Compare</a:t>
             </a:r>
             <a:r>
-              <a:rPr lang="nl-NL" dirty="0" smtClean="0"/>
+              <a:rPr lang="nl-NL" dirty="0" smtClean="0">
+                <a:latin typeface="Lucida Sans" pitchFamily="34" charset="0"/>
+              </a:rPr>
               <a:t> performance of </a:t>
             </a:r>
             <a:r>
-              <a:rPr lang="nl-NL" dirty="0" err="1" smtClean="0"/>
+              <a:rPr lang="nl-NL" dirty="0" err="1" smtClean="0">
+                <a:latin typeface="Lucida Sans" pitchFamily="34" charset="0"/>
+              </a:rPr>
               <a:t>own</a:t>
             </a:r>
             <a:r>
-              <a:rPr lang="nl-NL" dirty="0" smtClean="0"/>
+              <a:rPr lang="nl-NL" dirty="0" smtClean="0">
+                <a:latin typeface="Lucida Sans" pitchFamily="34" charset="0"/>
+              </a:rPr>
               <a:t> </a:t>
             </a:r>
             <a:r>
-              <a:rPr lang="nl-NL" dirty="0" err="1" smtClean="0"/>
+              <a:rPr lang="nl-NL" dirty="0" err="1" smtClean="0">
+                <a:latin typeface="Lucida Sans" pitchFamily="34" charset="0"/>
+              </a:rPr>
               <a:t>pipeline</a:t>
             </a:r>
             <a:r>
-              <a:rPr lang="nl-NL" dirty="0" smtClean="0"/>
+              <a:rPr lang="nl-NL" dirty="0" smtClean="0">
+                <a:latin typeface="Lucida Sans" pitchFamily="34" charset="0"/>
+              </a:rPr>
               <a:t> </a:t>
             </a:r>
             <a:r>
-              <a:rPr lang="nl-NL" dirty="0" err="1" smtClean="0"/>
+              <a:rPr lang="nl-NL" dirty="0" err="1" smtClean="0">
+                <a:latin typeface="Lucida Sans" pitchFamily="34" charset="0"/>
+              </a:rPr>
               <a:t>with</a:t>
             </a:r>
             <a:r>
-              <a:rPr lang="nl-NL" dirty="0" smtClean="0"/>
+              <a:rPr lang="nl-NL" dirty="0" smtClean="0">
+                <a:latin typeface="Lucida Sans" pitchFamily="34" charset="0"/>
+              </a:rPr>
               <a:t> CLC </a:t>
             </a:r>
             <a:r>
-              <a:rPr lang="nl-NL" dirty="0" err="1" smtClean="0"/>
+              <a:rPr lang="nl-NL" dirty="0" err="1" smtClean="0">
+                <a:latin typeface="Lucida Sans" pitchFamily="34" charset="0"/>
+              </a:rPr>
               <a:t>bio</a:t>
             </a:r>
             <a:r>
-              <a:rPr lang="nl-NL" dirty="0" smtClean="0"/>
+              <a:rPr lang="nl-NL" dirty="0" smtClean="0">
+                <a:latin typeface="Lucida Sans" pitchFamily="34" charset="0"/>
+              </a:rPr>
               <a:t>, </a:t>
             </a:r>
             <a:r>
-              <a:rPr lang="nl-NL" dirty="0" err="1" smtClean="0"/>
+              <a:rPr lang="nl-NL" dirty="0" err="1" smtClean="0">
+                <a:latin typeface="Lucida Sans" pitchFamily="34" charset="0"/>
+              </a:rPr>
               <a:t>Geneious</a:t>
             </a:r>
             <a:r>
-              <a:rPr lang="nl-NL" dirty="0" smtClean="0"/>
+              <a:rPr lang="nl-NL" dirty="0" smtClean="0">
+                <a:latin typeface="Lucida Sans" pitchFamily="34" charset="0"/>
+              </a:rPr>
               <a:t> and Ion </a:t>
             </a:r>
             <a:r>
-              <a:rPr lang="nl-NL" dirty="0" err="1" smtClean="0"/>
+              <a:rPr lang="nl-NL" dirty="0" err="1" smtClean="0">
+                <a:latin typeface="Lucida Sans" pitchFamily="34" charset="0"/>
+              </a:rPr>
               <a:t>Torrent</a:t>
             </a:r>
             <a:r>
-              <a:rPr lang="nl-NL" dirty="0" smtClean="0"/>
+              <a:rPr lang="nl-NL" dirty="0" smtClean="0">
+                <a:latin typeface="Lucida Sans" pitchFamily="34" charset="0"/>
+              </a:rPr>
               <a:t> Suite &gt; is </a:t>
             </a:r>
             <a:r>
-              <a:rPr lang="nl-NL" dirty="0" err="1" smtClean="0"/>
+              <a:rPr lang="nl-NL" dirty="0" err="1" smtClean="0">
+                <a:latin typeface="Lucida Sans" pitchFamily="34" charset="0"/>
+              </a:rPr>
               <a:t>our</a:t>
             </a:r>
             <a:r>
-              <a:rPr lang="nl-NL" dirty="0" smtClean="0"/>
+              <a:rPr lang="nl-NL" dirty="0" smtClean="0">
+                <a:latin typeface="Lucida Sans" pitchFamily="34" charset="0"/>
+              </a:rPr>
               <a:t> </a:t>
             </a:r>
             <a:r>
-              <a:rPr lang="nl-NL" dirty="0" err="1" smtClean="0"/>
+              <a:rPr lang="nl-NL" dirty="0" err="1" smtClean="0">
+                <a:latin typeface="Lucida Sans" pitchFamily="34" charset="0"/>
+              </a:rPr>
               <a:t>own</a:t>
             </a:r>
             <a:r>
-              <a:rPr lang="nl-NL" dirty="0" smtClean="0"/>
+              <a:rPr lang="nl-NL" dirty="0" smtClean="0">
+                <a:latin typeface="Lucida Sans" pitchFamily="34" charset="0"/>
+              </a:rPr>
               <a:t> </a:t>
             </a:r>
             <a:r>
-              <a:rPr lang="nl-NL" dirty="0" err="1" smtClean="0"/>
+              <a:rPr lang="nl-NL" dirty="0" err="1" smtClean="0">
+                <a:latin typeface="Lucida Sans" pitchFamily="34" charset="0"/>
+              </a:rPr>
               <a:t>pipeline</a:t>
             </a:r>
             <a:r>
-              <a:rPr lang="nl-NL" dirty="0" smtClean="0"/>
+              <a:rPr lang="nl-NL" dirty="0" smtClean="0">
+                <a:latin typeface="Lucida Sans" pitchFamily="34" charset="0"/>
+              </a:rPr>
               <a:t> more accurate </a:t>
             </a:r>
             <a:r>
-              <a:rPr lang="nl-NL" dirty="0" err="1" smtClean="0"/>
+              <a:rPr lang="nl-NL" dirty="0" err="1" smtClean="0">
+                <a:latin typeface="Lucida Sans" pitchFamily="34" charset="0"/>
+              </a:rPr>
               <a:t>than</a:t>
             </a:r>
             <a:r>
-              <a:rPr lang="nl-NL" dirty="0" smtClean="0"/>
+              <a:rPr lang="nl-NL" dirty="0" smtClean="0">
+                <a:latin typeface="Lucida Sans" pitchFamily="34" charset="0"/>
+              </a:rPr>
               <a:t> best </a:t>
             </a:r>
             <a:r>
-              <a:rPr lang="nl-NL" dirty="0" err="1" smtClean="0"/>
+              <a:rPr lang="nl-NL" dirty="0" err="1" smtClean="0">
+                <a:latin typeface="Lucida Sans" pitchFamily="34" charset="0"/>
+              </a:rPr>
               <a:t>performing</a:t>
             </a:r>
             <a:r>
-              <a:rPr lang="nl-NL" dirty="0" smtClean="0"/>
+              <a:rPr lang="nl-NL" dirty="0" smtClean="0">
+                <a:latin typeface="Lucida Sans" pitchFamily="34" charset="0"/>
+              </a:rPr>
               <a:t> </a:t>
             </a:r>
             <a:r>
-              <a:rPr lang="nl-NL" dirty="0" err="1" smtClean="0"/>
+              <a:rPr lang="nl-NL" dirty="0" err="1" smtClean="0">
+                <a:latin typeface="Lucida Sans" pitchFamily="34" charset="0"/>
+              </a:rPr>
               <a:t>commercially</a:t>
             </a:r>
             <a:r>
-              <a:rPr lang="nl-NL" dirty="0" smtClean="0"/>
+              <a:rPr lang="nl-NL" dirty="0" smtClean="0">
+                <a:latin typeface="Lucida Sans" pitchFamily="34" charset="0"/>
+              </a:rPr>
               <a:t> </a:t>
             </a:r>
             <a:r>
-              <a:rPr lang="nl-NL" dirty="0" err="1" smtClean="0"/>
+              <a:rPr lang="nl-NL" dirty="0" err="1" smtClean="0">
+                <a:latin typeface="Lucida Sans" pitchFamily="34" charset="0"/>
+              </a:rPr>
               <a:t>available</a:t>
             </a:r>
             <a:r>
-              <a:rPr lang="nl-NL" dirty="0" smtClean="0"/>
+              <a:rPr lang="nl-NL" dirty="0" smtClean="0">
+                <a:latin typeface="Lucida Sans" pitchFamily="34" charset="0"/>
+              </a:rPr>
               <a:t> </a:t>
             </a:r>
             <a:r>
-              <a:rPr lang="nl-NL" dirty="0" err="1" smtClean="0"/>
+              <a:rPr lang="nl-NL" dirty="0" err="1" smtClean="0">
+                <a:latin typeface="Lucida Sans" pitchFamily="34" charset="0"/>
+              </a:rPr>
               <a:t>package</a:t>
             </a:r>
             <a:r>
-              <a:rPr lang="nl-NL" dirty="0" smtClean="0"/>
+              <a:rPr lang="nl-NL" dirty="0" smtClean="0">
+                <a:latin typeface="Lucida Sans" pitchFamily="34" charset="0"/>
+              </a:rPr>
               <a:t>?</a:t>
             </a:r>
           </a:p>
@@ -7832,35 +8009,45 @@
               <a:buFont typeface="Wingdings 3" pitchFamily="-32" charset="2"/>
               <a:buNone/>
             </a:pPr>
-            <a:endParaRPr lang="nl-NL" dirty="0" smtClean="0"/>
+            <a:endParaRPr lang="nl-NL" dirty="0" smtClean="0">
+              <a:latin typeface="Lucida Sans" pitchFamily="34" charset="0"/>
+            </a:endParaRPr>
           </a:p>
           <a:p>
             <a:pPr eaLnBrk="1" hangingPunct="1">
               <a:buFont typeface="Wingdings 3" pitchFamily="-32" charset="2"/>
               <a:buNone/>
             </a:pPr>
-            <a:endParaRPr lang="nl-NL" dirty="0" smtClean="0"/>
+            <a:endParaRPr lang="nl-NL" dirty="0" smtClean="0">
+              <a:latin typeface="Lucida Sans" pitchFamily="34" charset="0"/>
+            </a:endParaRPr>
           </a:p>
           <a:p>
             <a:pPr eaLnBrk="1" hangingPunct="1">
               <a:buFont typeface="Wingdings 3" pitchFamily="-32" charset="2"/>
               <a:buNone/>
             </a:pPr>
-            <a:endParaRPr lang="nl-NL" dirty="0" smtClean="0"/>
+            <a:endParaRPr lang="nl-NL" dirty="0" smtClean="0">
+              <a:latin typeface="Lucida Sans" pitchFamily="34" charset="0"/>
+            </a:endParaRPr>
           </a:p>
           <a:p>
             <a:pPr eaLnBrk="1" hangingPunct="1">
               <a:buFont typeface="Wingdings 3" pitchFamily="-32" charset="2"/>
               <a:buNone/>
             </a:pPr>
-            <a:endParaRPr lang="nl-NL" dirty="0" smtClean="0"/>
+            <a:endParaRPr lang="nl-NL" dirty="0" smtClean="0">
+              <a:latin typeface="Lucida Sans" pitchFamily="34" charset="0"/>
+            </a:endParaRPr>
           </a:p>
           <a:p>
             <a:pPr eaLnBrk="1" hangingPunct="1">
               <a:buFont typeface="Wingdings 3" pitchFamily="-32" charset="2"/>
               <a:buNone/>
             </a:pPr>
-            <a:endParaRPr lang="nl-NL" dirty="0" smtClean="0"/>
+            <a:endParaRPr lang="nl-NL" dirty="0" smtClean="0">
+              <a:latin typeface="Lucida Sans" pitchFamily="34" charset="0"/>
+            </a:endParaRPr>
           </a:p>
           <a:p>
             <a:pPr eaLnBrk="1" hangingPunct="1">
@@ -7868,13 +8055,17 @@
               <a:buNone/>
             </a:pPr>
             <a:r>
-              <a:rPr lang="nl-NL" dirty="0" smtClean="0"/>
+              <a:rPr lang="nl-NL" dirty="0" smtClean="0">
+                <a:latin typeface="Lucida Sans" pitchFamily="34" charset="0"/>
+              </a:rPr>
               <a:t>  </a:t>
             </a:r>
           </a:p>
           <a:p>
             <a:pPr eaLnBrk="1" hangingPunct="1"/>
-            <a:endParaRPr lang="nl-NL" dirty="0" smtClean="0"/>
+            <a:endParaRPr lang="nl-NL" dirty="0" smtClean="0">
+              <a:latin typeface="Lucida Sans" pitchFamily="34" charset="0"/>
+            </a:endParaRPr>
           </a:p>
         </p:txBody>
       </p:sp>
@@ -8139,18 +8330,63 @@
               <a:spcBef>
                 <a:spcPts val="400"/>
               </a:spcBef>
-              <a:buClr>
-                <a:schemeClr val="accent1"/>
-              </a:buClr>
               <a:buSzPct val="68000"/>
-              <a:buFont typeface="Wingdings 3" pitchFamily="-32" charset="2"/>
-              <a:buChar char=""/>
-            </a:pPr>
-            <a:r>
-              <a:rPr lang="nl-NL">
+              <a:buFont typeface="Arial" pitchFamily="34" charset="0"/>
+              <a:buChar char="•"/>
+            </a:pPr>
+            <a:r>
+              <a:rPr lang="nl-NL" dirty="0">
                 <a:latin typeface="Lucida Sans Unicode" charset="0"/>
               </a:rPr>
-              <a:t>Elza Duijm                                (Ion Torrent technician Naturalis)</a:t>
+              <a:t>Elza </a:t>
+            </a:r>
+            <a:r>
+              <a:rPr lang="nl-NL" dirty="0" err="1">
+                <a:latin typeface="Lucida Sans Unicode" charset="0"/>
+              </a:rPr>
+              <a:t>Duijm</a:t>
+            </a:r>
+            <a:r>
+              <a:rPr lang="nl-NL" dirty="0">
+                <a:latin typeface="Lucida Sans Unicode" charset="0"/>
+              </a:rPr>
+              <a:t>                                (Ion </a:t>
+            </a:r>
+            <a:r>
+              <a:rPr lang="nl-NL" dirty="0" err="1">
+                <a:latin typeface="Lucida Sans Unicode" charset="0"/>
+              </a:rPr>
+              <a:t>Torrent</a:t>
+            </a:r>
+            <a:r>
+              <a:rPr lang="nl-NL" dirty="0">
+                <a:latin typeface="Lucida Sans Unicode" charset="0"/>
+              </a:rPr>
+              <a:t> </a:t>
+            </a:r>
+            <a:r>
+              <a:rPr lang="nl-NL" dirty="0" err="1">
+                <a:latin typeface="Lucida Sans Unicode" charset="0"/>
+              </a:rPr>
+              <a:t>technician</a:t>
+            </a:r>
+            <a:r>
+              <a:rPr lang="nl-NL" dirty="0">
+                <a:latin typeface="Lucida Sans Unicode" charset="0"/>
+              </a:rPr>
+              <a:t> </a:t>
+            </a:r>
+            <a:r>
+              <a:rPr lang="nl-NL" dirty="0" err="1">
+                <a:latin typeface="Lucida Sans Unicode" charset="0"/>
+              </a:rPr>
+              <a:t>Naturalis</a:t>
+            </a:r>
+            <a:r>
+              <a:rPr lang="nl-NL" dirty="0">
+                <a:latin typeface="Lucida Sans Unicode" charset="0"/>
+              </a:rPr>
+              <a:t>)</a:t>
             </a:r>
           </a:p>
           <a:p>
@@ -8158,14 +8394,11 @@
               <a:spcBef>
                 <a:spcPts val="400"/>
               </a:spcBef>
-              <a:buClr>
-                <a:schemeClr val="accent1"/>
-              </a:buClr>
               <a:buSzPct val="68000"/>
-              <a:buFont typeface="Wingdings 3" pitchFamily="-32" charset="2"/>
-              <a:buChar char=""/>
-            </a:pPr>
-            <a:endParaRPr lang="nl-NL">
+              <a:buFont typeface="Arial" pitchFamily="34" charset="0"/>
+              <a:buChar char="•"/>
+            </a:pPr>
+            <a:endParaRPr lang="nl-NL" dirty="0">
               <a:latin typeface="Lucida Sans Unicode" charset="0"/>
             </a:endParaRPr>
           </a:p>
@@ -8174,18 +8407,51 @@
               <a:spcBef>
                 <a:spcPts val="400"/>
               </a:spcBef>
-              <a:buClr>
-                <a:schemeClr val="accent1"/>
-              </a:buClr>
               <a:buSzPct val="68000"/>
-              <a:buFont typeface="Wingdings 3" pitchFamily="-32" charset="2"/>
-              <a:buChar char=""/>
-            </a:pPr>
-            <a:r>
-              <a:rPr lang="nl-NL">
+              <a:buFont typeface="Arial" pitchFamily="34" charset="0"/>
+              <a:buChar char="•"/>
+            </a:pPr>
+            <a:r>
+              <a:rPr lang="nl-NL" dirty="0">
                 <a:latin typeface="Lucida Sans Unicode" charset="0"/>
               </a:rPr>
-              <a:t>Henry Heuveling van Beek (Seven Mountains ltd.)</a:t>
+              <a:t>Henry </a:t>
+            </a:r>
+            <a:r>
+              <a:rPr lang="nl-NL" dirty="0" err="1">
+                <a:latin typeface="Lucida Sans Unicode" charset="0"/>
+              </a:rPr>
+              <a:t>Heuveling</a:t>
+            </a:r>
+            <a:r>
+              <a:rPr lang="nl-NL" dirty="0">
+                <a:latin typeface="Lucida Sans Unicode" charset="0"/>
+              </a:rPr>
+              <a:t> van Beek (</a:t>
+            </a:r>
+            <a:r>
+              <a:rPr lang="nl-NL" dirty="0" err="1">
+                <a:latin typeface="Lucida Sans Unicode" charset="0"/>
+              </a:rPr>
+              <a:t>Seven</a:t>
+            </a:r>
+            <a:r>
+              <a:rPr lang="nl-NL" dirty="0">
+                <a:latin typeface="Lucida Sans Unicode" charset="0"/>
+              </a:rPr>
+              <a:t> Mountains </a:t>
+            </a:r>
+            <a:r>
+              <a:rPr lang="nl-NL" dirty="0" err="1">
+                <a:latin typeface="Lucida Sans Unicode" charset="0"/>
+              </a:rPr>
+              <a:t>ltd</a:t>
+            </a:r>
+            <a:r>
+              <a:rPr lang="nl-NL" dirty="0">
+                <a:latin typeface="Lucida Sans Unicode" charset="0"/>
+              </a:rPr>
+              <a:t>.)</a:t>
             </a:r>
           </a:p>
           <a:p>
@@ -8193,14 +8459,11 @@
               <a:spcBef>
                 <a:spcPts val="400"/>
               </a:spcBef>
-              <a:buClr>
-                <a:schemeClr val="accent1"/>
-              </a:buClr>
               <a:buSzPct val="68000"/>
-              <a:buFont typeface="Wingdings 3" pitchFamily="-32" charset="2"/>
-              <a:buChar char=""/>
-            </a:pPr>
-            <a:endParaRPr lang="nl-NL">
+              <a:buFont typeface="Arial" pitchFamily="34" charset="0"/>
+              <a:buChar char="•"/>
+            </a:pPr>
+            <a:endParaRPr lang="nl-NL" dirty="0">
               <a:latin typeface="Lucida Sans Unicode" charset="0"/>
             </a:endParaRPr>
           </a:p>
@@ -8209,18 +8472,63 @@
               <a:spcBef>
                 <a:spcPts val="400"/>
               </a:spcBef>
-              <a:buClr>
-                <a:schemeClr val="accent1"/>
-              </a:buClr>
               <a:buSzPct val="68000"/>
-              <a:buFont typeface="Wingdings 3" pitchFamily="-32" charset="2"/>
-              <a:buChar char=""/>
-            </a:pPr>
-            <a:r>
-              <a:rPr lang="nl-NL">
+              <a:buFont typeface="Arial" pitchFamily="34" charset="0"/>
+              <a:buChar char="•"/>
+            </a:pPr>
+            <a:r>
+              <a:rPr lang="nl-NL" dirty="0">
                 <a:latin typeface="Lucida Sans Unicode" charset="0"/>
               </a:rPr>
-              <a:t>Denise Rijkeboer                      (BaSc Forensic Science)</a:t>
+              <a:t>Denise </a:t>
+            </a:r>
+            <a:r>
+              <a:rPr lang="nl-NL" dirty="0" err="1">
+                <a:latin typeface="Lucida Sans Unicode" charset="0"/>
+              </a:rPr>
+              <a:t>Rijkeboer</a:t>
+            </a:r>
+            <a:r>
+              <a:rPr lang="nl-NL" dirty="0">
+                <a:latin typeface="Lucida Sans Unicode" charset="0"/>
+              </a:rPr>
+              <a:t>                      (</a:t>
+            </a:r>
+            <a:r>
+              <a:rPr lang="nl-NL" dirty="0" err="1">
+                <a:latin typeface="Lucida Sans Unicode" charset="0"/>
+              </a:rPr>
+              <a:t>BaSc</a:t>
+            </a:r>
+            <a:r>
+              <a:rPr lang="nl-NL" dirty="0">
+                <a:latin typeface="Lucida Sans Unicode" charset="0"/>
+              </a:rPr>
+              <a:t> </a:t>
+            </a:r>
+            <a:r>
+              <a:rPr lang="nl-NL" dirty="0" err="1">
+                <a:latin typeface="Lucida Sans Unicode" charset="0"/>
+              </a:rPr>
+              <a:t>Forensic</a:t>
+            </a:r>
+            <a:r>
+              <a:rPr lang="nl-NL" dirty="0">
+                <a:latin typeface="Lucida Sans Unicode" charset="0"/>
+              </a:rPr>
+              <a:t> </a:t>
+            </a:r>
+            <a:r>
+              <a:rPr lang="nl-NL" dirty="0" err="1">
+                <a:latin typeface="Lucida Sans Unicode" charset="0"/>
+              </a:rPr>
+              <a:t>Science</a:t>
+            </a:r>
+            <a:r>
+              <a:rPr lang="nl-NL" dirty="0">
+                <a:latin typeface="Lucida Sans Unicode" charset="0"/>
+              </a:rPr>
+              <a:t>)</a:t>
             </a:r>
           </a:p>
           <a:p>
@@ -8228,14 +8536,11 @@
               <a:spcBef>
                 <a:spcPts val="400"/>
               </a:spcBef>
-              <a:buClr>
-                <a:schemeClr val="accent1"/>
-              </a:buClr>
               <a:buSzPct val="68000"/>
-              <a:buFont typeface="Wingdings 3" pitchFamily="-32" charset="2"/>
-              <a:buChar char=""/>
-            </a:pPr>
-            <a:endParaRPr lang="nl-NL">
+              <a:buFont typeface="Arial" pitchFamily="34" charset="0"/>
+              <a:buChar char="•"/>
+            </a:pPr>
+            <a:endParaRPr lang="nl-NL" dirty="0">
               <a:latin typeface="Lucida Sans Unicode" charset="0"/>
             </a:endParaRPr>
           </a:p>
@@ -8244,20 +8549,41 @@
               <a:spcBef>
                 <a:spcPts val="400"/>
               </a:spcBef>
-              <a:buClr>
-                <a:schemeClr val="accent1"/>
-              </a:buClr>
               <a:buSzPct val="68000"/>
-              <a:buFont typeface="Wingdings 3" pitchFamily="-32" charset="2"/>
-              <a:buChar char=""/>
-            </a:pPr>
-            <a:r>
-              <a:rPr lang="nl-NL">
+              <a:buFont typeface="Arial" pitchFamily="34" charset="0"/>
+              <a:buChar char="•"/>
+            </a:pPr>
+            <a:r>
+              <a:rPr lang="nl-NL" dirty="0">
                 <a:latin typeface="Lucida Sans Unicode" charset="0"/>
               </a:rPr>
-              <a:t>Tamara Peelen                      (Dutch Customs Laboratory)</a:t>
-            </a:r>
-            <a:endParaRPr lang="en-US">
+              <a:t>Tamara Peelen                      (Dutch </a:t>
+            </a:r>
+            <a:r>
+              <a:rPr lang="nl-NL" dirty="0" err="1">
+                <a:latin typeface="Lucida Sans Unicode" charset="0"/>
+              </a:rPr>
+              <a:t>Customs</a:t>
+            </a:r>
+            <a:r>
+              <a:rPr lang="nl-NL" dirty="0">
+                <a:latin typeface="Lucida Sans Unicode" charset="0"/>
+              </a:rPr>
+              <a:t> </a:t>
+            </a:r>
+            <a:r>
+              <a:rPr lang="nl-NL" dirty="0" err="1">
+                <a:latin typeface="Lucida Sans Unicode" charset="0"/>
+              </a:rPr>
+              <a:t>Laboratory</a:t>
+            </a:r>
+            <a:r>
+              <a:rPr lang="nl-NL" dirty="0">
+                <a:latin typeface="Lucida Sans Unicode" charset="0"/>
+              </a:rPr>
+              <a:t>)</a:t>
+            </a:r>
+            <a:endParaRPr lang="en-US" dirty="0">
               <a:latin typeface="Lucida Sans Unicode" charset="0"/>
             </a:endParaRPr>
           </a:p>
@@ -8266,14 +8592,11 @@
               <a:spcBef>
                 <a:spcPts val="400"/>
               </a:spcBef>
-              <a:buClr>
-                <a:schemeClr val="accent1"/>
-              </a:buClr>
               <a:buSzPct val="68000"/>
-              <a:buFont typeface="Wingdings 3" pitchFamily="-32" charset="2"/>
-              <a:buChar char=""/>
-            </a:pPr>
-            <a:endParaRPr lang="en-US">
+              <a:buFont typeface="Arial" pitchFamily="34" charset="0"/>
+              <a:buChar char="•"/>
+            </a:pPr>
+            <a:endParaRPr lang="en-US" dirty="0">
               <a:latin typeface="Lucida Sans Unicode" charset="0"/>
             </a:endParaRPr>
           </a:p>
@@ -8282,14 +8605,11 @@
               <a:spcBef>
                 <a:spcPts val="400"/>
               </a:spcBef>
-              <a:buClr>
-                <a:schemeClr val="accent1"/>
-              </a:buClr>
               <a:buSzPct val="68000"/>
-              <a:buFont typeface="Wingdings 3" pitchFamily="-32" charset="2"/>
-              <a:buChar char=""/>
-            </a:pPr>
-            <a:endParaRPr lang="en-US" sz="2700">
+              <a:buFont typeface="Arial" pitchFamily="34" charset="0"/>
+              <a:buChar char="•"/>
+            </a:pPr>
+            <a:endParaRPr lang="en-US" sz="2700" dirty="0">
               <a:latin typeface="Lucida Sans Unicode" charset="0"/>
             </a:endParaRPr>
           </a:p>
@@ -8298,14 +8618,11 @@
               <a:spcBef>
                 <a:spcPts val="400"/>
               </a:spcBef>
-              <a:buClr>
-                <a:schemeClr val="accent1"/>
-              </a:buClr>
               <a:buSzPct val="68000"/>
-              <a:buFont typeface="Wingdings 3" pitchFamily="-32" charset="2"/>
-              <a:buChar char=""/>
-            </a:pPr>
-            <a:endParaRPr lang="en-US" sz="2700">
+              <a:buFont typeface="Arial" pitchFamily="34" charset="0"/>
+              <a:buChar char="•"/>
+            </a:pPr>
+            <a:endParaRPr lang="en-US" sz="2700" dirty="0">
               <a:latin typeface="Lucida Sans Unicode" charset="0"/>
             </a:endParaRPr>
           </a:p>
@@ -8565,7 +8882,7 @@
         </p:nvSpPr>
         <p:spPr>
           <a:xfrm>
-            <a:off x="0" y="1481138"/>
+            <a:off x="179512" y="1484784"/>
             <a:ext cx="8229600" cy="4525962"/>
           </a:xfrm>
         </p:spPr>
@@ -8575,21 +8892,29 @@
           <a:p>
             <a:pPr eaLnBrk="1" hangingPunct="1"/>
             <a:r>
-              <a:rPr lang="en-US" dirty="0" smtClean="0"/>
+              <a:rPr lang="en-US" dirty="0" smtClean="0">
+                <a:latin typeface="Lucida Sans" pitchFamily="34" charset="0"/>
+              </a:rPr>
               <a:t>Herbal medicine</a:t>
             </a:r>
           </a:p>
           <a:p>
             <a:pPr eaLnBrk="1" hangingPunct="1"/>
-            <a:endParaRPr lang="en-US" dirty="0" smtClean="0"/>
+            <a:endParaRPr lang="en-US" dirty="0" smtClean="0">
+              <a:latin typeface="Lucida Sans" pitchFamily="34" charset="0"/>
+            </a:endParaRPr>
           </a:p>
           <a:p>
             <a:pPr eaLnBrk="1" hangingPunct="1"/>
-            <a:endParaRPr lang="en-US" dirty="0" smtClean="0"/>
+            <a:endParaRPr lang="en-US" dirty="0" smtClean="0">
+              <a:latin typeface="Lucida Sans" pitchFamily="34" charset="0"/>
+            </a:endParaRPr>
           </a:p>
           <a:p>
             <a:pPr eaLnBrk="1" hangingPunct="1"/>
-            <a:endParaRPr lang="en-US" dirty="0" smtClean="0"/>
+            <a:endParaRPr lang="en-US" dirty="0" smtClean="0">
+              <a:latin typeface="Lucida Sans" pitchFamily="34" charset="0"/>
+            </a:endParaRPr>
           </a:p>
         </p:txBody>
       </p:sp>
@@ -8811,7 +9136,9 @@
           <a:prstGeom prst="rect">
             <a:avLst/>
           </a:prstGeom>
-          <a:noFill/>
+          <a:solidFill>
+            <a:schemeClr val="bg1"/>
+          </a:solidFill>
           <a:ln w="9525">
             <a:noFill/>
             <a:miter lim="800000"/>
@@ -8831,12 +9158,9 @@
               <a:spcBef>
                 <a:spcPts val="400"/>
               </a:spcBef>
-              <a:buClr>
-                <a:schemeClr val="accent1"/>
-              </a:buClr>
               <a:buSzPct val="68000"/>
-              <a:buFont typeface="Wingdings 3" pitchFamily="-32" charset="2"/>
-              <a:buChar char=""/>
+              <a:buFont typeface="Arial" pitchFamily="34" charset="0"/>
+              <a:buChar char="•"/>
             </a:pPr>
             <a:r>
               <a:rPr lang="nl-NL" sz="2700" dirty="0" smtClean="0">
@@ -8845,16 +9169,16 @@
               <a:t>Short </a:t>
             </a:r>
             <a:r>
-              <a:rPr lang="en-US" sz="2700" dirty="0" smtClean="0">
+              <a:rPr lang="nl-NL" sz="2700" dirty="0" err="1" smtClean="0">
                 <a:latin typeface="Lucida Sans Unicode" charset="0"/>
               </a:rPr>
-              <a:t>genetic</a:t>
+              <a:t>Genetic</a:t>
             </a:r>
             <a:r>
               <a:rPr lang="nl-NL" sz="2700" dirty="0" smtClean="0">
                 <a:latin typeface="Lucida Sans Unicode" charset="0"/>
               </a:rPr>
-              <a:t> markers</a:t>
+              <a:t> Markers</a:t>
             </a:r>
           </a:p>
           <a:p>
@@ -9097,59 +9421,9 @@
         </p:xfrm>
         <a:graphic>
           <a:graphicData uri="http://schemas.openxmlformats.org/presentationml/2006/ole">
-            <mc:AlternateContent xmlns:mc="http://schemas.openxmlformats.org/markup-compatibility/2006">
-              <mc:Choice xmlns:v="urn:schemas-microsoft-com:vml" Requires="v">
-                <p:oleObj spid="_x0000_s48137" name="Document" r:id="rId4" imgW="5602224" imgH="4767072" progId="Word.Document.8">
-                  <p:embed/>
-                </p:oleObj>
-              </mc:Choice>
-              <mc:Fallback>
-                <p:oleObj name="Document" r:id="rId4" imgW="5602224" imgH="4767072" progId="Word.Document.8">
-                  <p:embed/>
-                  <p:pic>
-                    <p:nvPicPr>
-                      <p:cNvPr id="0" name="Picture 7"/>
-                      <p:cNvPicPr>
-                        <a:picLocks noChangeAspect="1" noChangeArrowheads="1"/>
-                      </p:cNvPicPr>
-                      <p:nvPr/>
-                    </p:nvPicPr>
-                    <p:blipFill>
-                      <a:blip r:embed="rId5">
-                        <a:extLst>
-                          <a:ext uri="{28A0092B-C50C-407E-A947-70E740481C1C}">
-                            <a14:useLocalDpi xmlns:a14="http://schemas.microsoft.com/office/drawing/2010/main" val="0"/>
-                          </a:ext>
-                        </a:extLst>
-                      </a:blip>
-                      <a:srcRect/>
-                      <a:stretch>
-                        <a:fillRect/>
-                      </a:stretch>
-                    </p:blipFill>
-                    <p:spPr bwMode="auto">
-                      <a:xfrm>
-                        <a:off x="1219200" y="1222375"/>
-                        <a:ext cx="6535738" cy="5559425"/>
-                      </a:xfrm>
-                      <a:prstGeom prst="rect">
-                        <a:avLst/>
-                      </a:prstGeom>
-                      <a:noFill/>
-                      <a:extLst>
-                        <a:ext uri="{909E8E84-426E-40DD-AFC4-6F175D3DCCD1}">
-                          <a14:hiddenFill xmlns:a14="http://schemas.microsoft.com/office/drawing/2010/main">
-                            <a:solidFill>
-                              <a:srgbClr val="FFFFFF"/>
-                            </a:solidFill>
-                          </a14:hiddenFill>
-                        </a:ext>
-                      </a:extLst>
-                    </p:spPr>
-                  </p:pic>
-                </p:oleObj>
-              </mc:Fallback>
-            </mc:AlternateContent>
+            <p:oleObj spid="_x0000_s48137" name="Document" r:id="rId4" imgW="5602224" imgH="4767072" progId="Word.Document.8">
+              <p:embed/>
+            </p:oleObj>
           </a:graphicData>
         </a:graphic>
       </p:graphicFrame>
@@ -9282,12 +9556,9 @@
               <a:spcBef>
                 <a:spcPts val="400"/>
               </a:spcBef>
-              <a:buClr>
-                <a:schemeClr val="accent1"/>
-              </a:buClr>
               <a:buSzPct val="68000"/>
-              <a:buFont typeface="Wingdings 3" pitchFamily="-32" charset="2"/>
-              <a:buChar char=""/>
+              <a:buFont typeface="Arial" pitchFamily="34" charset="0"/>
+              <a:buChar char="•"/>
             </a:pPr>
             <a:r>
               <a:rPr lang="nl-NL" sz="2700" dirty="0" smtClean="0">
@@ -9874,23 +10145,14 @@
             <a:pPr eaLnBrk="1" hangingPunct="1"/>
             <a:r>
               <a:rPr lang="nl-NL" dirty="0" smtClean="0"/>
-              <a:t>Geneious (version 6.0.3, tested on windows </a:t>
-            </a:r>
+              <a:t>Geneious (version 6.0.3, tested on windows 7)</a:t>
+            </a:r>
+          </a:p>
+          <a:p>
+            <a:pPr eaLnBrk="1" hangingPunct="1"/>
             <a:r>
               <a:rPr lang="nl-NL" dirty="0" smtClean="0"/>
-              <a:t>7)</a:t>
-            </a:r>
-            <a:endParaRPr lang="nl-NL" dirty="0" smtClean="0"/>
-          </a:p>
-          <a:p>
-            <a:pPr eaLnBrk="1" hangingPunct="1"/>
-            <a:r>
-              <a:rPr lang="nl-NL" dirty="0" smtClean="0"/>
-              <a:t>CLC </a:t>
-            </a:r>
-            <a:r>
-              <a:rPr lang="nl-NL" dirty="0" smtClean="0"/>
-              <a:t>Bio (version 6.7.1, tested on windows 7)</a:t>
+              <a:t>CLC Bio (version 6.7.1, tested on windows 7)</a:t>
             </a:r>
             <a:endParaRPr lang="nl-NL" dirty="0" smtClean="0">
               <a:solidFill>
@@ -9909,11 +10171,7 @@
             <a:pPr eaLnBrk="1" hangingPunct="1"/>
             <a:r>
               <a:rPr lang="nl-NL" dirty="0" smtClean="0"/>
-              <a:t>Torrent </a:t>
-            </a:r>
-            <a:r>
-              <a:rPr lang="nl-NL" dirty="0" smtClean="0"/>
-              <a:t>Suite (tested on Linux)</a:t>
+              <a:t>Torrent Suite (tested on Linux)</a:t>
             </a:r>
             <a:endParaRPr lang="nl-NL" dirty="0" smtClean="0">
               <a:solidFill>
